--- a/images/PIZZA SALES.pptx
+++ b/images/PIZZA SALES.pptx
@@ -7,12 +7,18 @@
   <p:sldIdLst>
     <p:sldId id="256" r:id="rId2"/>
     <p:sldId id="257" r:id="rId3"/>
-    <p:sldId id="258" r:id="rId4"/>
-    <p:sldId id="260" r:id="rId5"/>
-    <p:sldId id="259" r:id="rId6"/>
-    <p:sldId id="261" r:id="rId7"/>
-    <p:sldId id="262" r:id="rId8"/>
-    <p:sldId id="263" r:id="rId9"/>
+    <p:sldId id="264" r:id="rId4"/>
+    <p:sldId id="258" r:id="rId5"/>
+    <p:sldId id="265" r:id="rId6"/>
+    <p:sldId id="260" r:id="rId7"/>
+    <p:sldId id="266" r:id="rId8"/>
+    <p:sldId id="259" r:id="rId9"/>
+    <p:sldId id="261" r:id="rId10"/>
+    <p:sldId id="267" r:id="rId11"/>
+    <p:sldId id="262" r:id="rId12"/>
+    <p:sldId id="268" r:id="rId13"/>
+    <p:sldId id="263" r:id="rId14"/>
+    <p:sldId id="269" r:id="rId15"/>
   </p:sldIdLst>
   <p:sldSz cx="12192000" cy="6858000"/>
   <p:notesSz cx="6858000" cy="9144000"/>
@@ -111,7 +117,277 @@
       </a:defRPr>
     </a:lvl9pPr>
   </p:defaultTextStyle>
+  <p:extLst>
+    <p:ext uri="{EFAFB233-063F-42B5-8137-9DF3F51BA10A}">
+      <p15:sldGuideLst xmlns:p15="http://schemas.microsoft.com/office/powerpoint/2012/main"/>
+    </p:ext>
+  </p:extLst>
 </p:presentation>
+</file>
+
+<file path=ppt/revisionInfo.xml><?xml version="1.0" encoding="utf-8"?>
+<p1510:revInfo xmlns:a="http://schemas.openxmlformats.org/drawingml/2006/main" xmlns:r="http://schemas.openxmlformats.org/officeDocument/2006/relationships" xmlns:p1510="http://schemas.microsoft.com/office/powerpoint/2015/10/main">
+  <p1510:revLst>
+    <p1510:client id="{C05AB0AD-C4F0-4AA2-BBCE-47973A9ECDC8}" v="8" dt="2025-07-15T10:35:48.693"/>
+  </p1510:revLst>
+</p1510:revInfo>
+</file>
+
+<file path=ppt/changesInfos/changesInfo1.xml><?xml version="1.0" encoding="utf-8"?>
+<pc:chgInfo xmlns:a="http://schemas.openxmlformats.org/drawingml/2006/main" xmlns:r="http://schemas.openxmlformats.org/officeDocument/2006/relationships" xmlns:ac="http://schemas.microsoft.com/office/drawing/2013/main/command" xmlns:pc="http://schemas.microsoft.com/office/powerpoint/2013/main/command">
+  <pc:docChgLst>
+    <pc:chgData name="Shalini Kupparaju" userId="f2abd47b8b13236a" providerId="LiveId" clId="{C05AB0AD-C4F0-4AA2-BBCE-47973A9ECDC8}"/>
+    <pc:docChg chg="custSel addSld modSld">
+      <pc:chgData name="Shalini Kupparaju" userId="f2abd47b8b13236a" providerId="LiveId" clId="{C05AB0AD-C4F0-4AA2-BBCE-47973A9ECDC8}" dt="2025-07-15T10:46:00.962" v="100" actId="1076"/>
+      <pc:docMkLst>
+        <pc:docMk/>
+      </pc:docMkLst>
+      <pc:sldChg chg="delSp modSp mod">
+        <pc:chgData name="Shalini Kupparaju" userId="f2abd47b8b13236a" providerId="LiveId" clId="{C05AB0AD-C4F0-4AA2-BBCE-47973A9ECDC8}" dt="2025-07-15T10:46:00.962" v="100" actId="1076"/>
+        <pc:sldMkLst>
+          <pc:docMk/>
+          <pc:sldMk cId="803282669" sldId="257"/>
+        </pc:sldMkLst>
+        <pc:picChg chg="mod">
+          <ac:chgData name="Shalini Kupparaju" userId="f2abd47b8b13236a" providerId="LiveId" clId="{C05AB0AD-C4F0-4AA2-BBCE-47973A9ECDC8}" dt="2025-07-15T10:46:00.962" v="100" actId="1076"/>
+          <ac:picMkLst>
+            <pc:docMk/>
+            <pc:sldMk cId="803282669" sldId="257"/>
+            <ac:picMk id="3" creationId="{3E00B264-085C-6AC3-0E33-8A875428F34D}"/>
+          </ac:picMkLst>
+        </pc:picChg>
+        <pc:picChg chg="del">
+          <ac:chgData name="Shalini Kupparaju" userId="f2abd47b8b13236a" providerId="LiveId" clId="{C05AB0AD-C4F0-4AA2-BBCE-47973A9ECDC8}" dt="2025-07-15T09:49:50.860" v="1" actId="21"/>
+          <ac:picMkLst>
+            <pc:docMk/>
+            <pc:sldMk cId="803282669" sldId="257"/>
+            <ac:picMk id="5" creationId="{15AF13E8-73CE-9DE3-61A3-FB542111371C}"/>
+          </ac:picMkLst>
+        </pc:picChg>
+      </pc:sldChg>
+      <pc:sldChg chg="delSp modSp mod">
+        <pc:chgData name="Shalini Kupparaju" userId="f2abd47b8b13236a" providerId="LiveId" clId="{C05AB0AD-C4F0-4AA2-BBCE-47973A9ECDC8}" dt="2025-07-15T10:44:22.498" v="89" actId="14100"/>
+        <pc:sldMkLst>
+          <pc:docMk/>
+          <pc:sldMk cId="871210483" sldId="258"/>
+        </pc:sldMkLst>
+        <pc:picChg chg="mod">
+          <ac:chgData name="Shalini Kupparaju" userId="f2abd47b8b13236a" providerId="LiveId" clId="{C05AB0AD-C4F0-4AA2-BBCE-47973A9ECDC8}" dt="2025-07-15T10:44:22.498" v="89" actId="14100"/>
+          <ac:picMkLst>
+            <pc:docMk/>
+            <pc:sldMk cId="871210483" sldId="258"/>
+            <ac:picMk id="3" creationId="{0A38FF1B-58E8-C807-FA75-720227C4CA7B}"/>
+          </ac:picMkLst>
+        </pc:picChg>
+        <pc:picChg chg="del">
+          <ac:chgData name="Shalini Kupparaju" userId="f2abd47b8b13236a" providerId="LiveId" clId="{C05AB0AD-C4F0-4AA2-BBCE-47973A9ECDC8}" dt="2025-07-15T09:51:46.515" v="9" actId="21"/>
+          <ac:picMkLst>
+            <pc:docMk/>
+            <pc:sldMk cId="871210483" sldId="258"/>
+            <ac:picMk id="5" creationId="{59864DF7-E696-3A41-28E1-51E7F6C55BA1}"/>
+          </ac:picMkLst>
+        </pc:picChg>
+      </pc:sldChg>
+      <pc:sldChg chg="modSp mod">
+        <pc:chgData name="Shalini Kupparaju" userId="f2abd47b8b13236a" providerId="LiveId" clId="{C05AB0AD-C4F0-4AA2-BBCE-47973A9ECDC8}" dt="2025-07-15T10:43:18.259" v="84" actId="14100"/>
+        <pc:sldMkLst>
+          <pc:docMk/>
+          <pc:sldMk cId="1632915903" sldId="259"/>
+        </pc:sldMkLst>
+        <pc:picChg chg="mod">
+          <ac:chgData name="Shalini Kupparaju" userId="f2abd47b8b13236a" providerId="LiveId" clId="{C05AB0AD-C4F0-4AA2-BBCE-47973A9ECDC8}" dt="2025-07-15T10:43:18.259" v="84" actId="14100"/>
+          <ac:picMkLst>
+            <pc:docMk/>
+            <pc:sldMk cId="1632915903" sldId="259"/>
+            <ac:picMk id="5" creationId="{CB8B8BB3-2EF6-B13A-5C55-EBB235471791}"/>
+          </ac:picMkLst>
+        </pc:picChg>
+      </pc:sldChg>
+      <pc:sldChg chg="delSp modSp mod">
+        <pc:chgData name="Shalini Kupparaju" userId="f2abd47b8b13236a" providerId="LiveId" clId="{C05AB0AD-C4F0-4AA2-BBCE-47973A9ECDC8}" dt="2025-07-15T10:19:19.085" v="24" actId="14100"/>
+        <pc:sldMkLst>
+          <pc:docMk/>
+          <pc:sldMk cId="642233588" sldId="260"/>
+        </pc:sldMkLst>
+        <pc:picChg chg="del">
+          <ac:chgData name="Shalini Kupparaju" userId="f2abd47b8b13236a" providerId="LiveId" clId="{C05AB0AD-C4F0-4AA2-BBCE-47973A9ECDC8}" dt="2025-07-15T10:19:05.352" v="20" actId="21"/>
+          <ac:picMkLst>
+            <pc:docMk/>
+            <pc:sldMk cId="642233588" sldId="260"/>
+            <ac:picMk id="3" creationId="{6B66AA0E-304E-130D-23F4-037485507C4C}"/>
+          </ac:picMkLst>
+        </pc:picChg>
+        <pc:picChg chg="mod">
+          <ac:chgData name="Shalini Kupparaju" userId="f2abd47b8b13236a" providerId="LiveId" clId="{C05AB0AD-C4F0-4AA2-BBCE-47973A9ECDC8}" dt="2025-07-15T10:19:19.085" v="24" actId="14100"/>
+          <ac:picMkLst>
+            <pc:docMk/>
+            <pc:sldMk cId="642233588" sldId="260"/>
+            <ac:picMk id="4" creationId="{27F687F6-36D0-8CDF-CCE4-5AF74B0324A2}"/>
+          </ac:picMkLst>
+        </pc:picChg>
+      </pc:sldChg>
+      <pc:sldChg chg="delSp modSp mod setBg">
+        <pc:chgData name="Shalini Kupparaju" userId="f2abd47b8b13236a" providerId="LiveId" clId="{C05AB0AD-C4F0-4AA2-BBCE-47973A9ECDC8}" dt="2025-07-15T10:42:42.903" v="82" actId="1076"/>
+        <pc:sldMkLst>
+          <pc:docMk/>
+          <pc:sldMk cId="1822133169" sldId="261"/>
+        </pc:sldMkLst>
+        <pc:picChg chg="mod">
+          <ac:chgData name="Shalini Kupparaju" userId="f2abd47b8b13236a" providerId="LiveId" clId="{C05AB0AD-C4F0-4AA2-BBCE-47973A9ECDC8}" dt="2025-07-15T10:42:42.903" v="82" actId="1076"/>
+          <ac:picMkLst>
+            <pc:docMk/>
+            <pc:sldMk cId="1822133169" sldId="261"/>
+            <ac:picMk id="3" creationId="{89486C81-0BE2-44BB-2AF2-FEB65FC1A64C}"/>
+          </ac:picMkLst>
+        </pc:picChg>
+        <pc:picChg chg="del">
+          <ac:chgData name="Shalini Kupparaju" userId="f2abd47b8b13236a" providerId="LiveId" clId="{C05AB0AD-C4F0-4AA2-BBCE-47973A9ECDC8}" dt="2025-07-15T10:19:46.743" v="28" actId="21"/>
+          <ac:picMkLst>
+            <pc:docMk/>
+            <pc:sldMk cId="1822133169" sldId="261"/>
+            <ac:picMk id="5" creationId="{A4AC89FE-2D87-54F5-4A0B-CFE170B42AFD}"/>
+          </ac:picMkLst>
+        </pc:picChg>
+      </pc:sldChg>
+      <pc:sldChg chg="delSp modSp mod">
+        <pc:chgData name="Shalini Kupparaju" userId="f2abd47b8b13236a" providerId="LiveId" clId="{C05AB0AD-C4F0-4AA2-BBCE-47973A9ECDC8}" dt="2025-07-15T10:39:44.547" v="70" actId="14100"/>
+        <pc:sldMkLst>
+          <pc:docMk/>
+          <pc:sldMk cId="1714664864" sldId="262"/>
+        </pc:sldMkLst>
+        <pc:picChg chg="mod">
+          <ac:chgData name="Shalini Kupparaju" userId="f2abd47b8b13236a" providerId="LiveId" clId="{C05AB0AD-C4F0-4AA2-BBCE-47973A9ECDC8}" dt="2025-07-15T10:39:44.547" v="70" actId="14100"/>
+          <ac:picMkLst>
+            <pc:docMk/>
+            <pc:sldMk cId="1714664864" sldId="262"/>
+            <ac:picMk id="3" creationId="{4CB71204-43B4-A73A-D0F0-3A01B6B4BF95}"/>
+          </ac:picMkLst>
+        </pc:picChg>
+        <pc:picChg chg="del">
+          <ac:chgData name="Shalini Kupparaju" userId="f2abd47b8b13236a" providerId="LiveId" clId="{C05AB0AD-C4F0-4AA2-BBCE-47973A9ECDC8}" dt="2025-07-15T10:20:21.836" v="36" actId="21"/>
+          <ac:picMkLst>
+            <pc:docMk/>
+            <pc:sldMk cId="1714664864" sldId="262"/>
+            <ac:picMk id="5" creationId="{60779A22-8137-20CD-B3F3-7B7EBAA6BE72}"/>
+          </ac:picMkLst>
+        </pc:picChg>
+      </pc:sldChg>
+      <pc:sldChg chg="delSp modSp mod">
+        <pc:chgData name="Shalini Kupparaju" userId="f2abd47b8b13236a" providerId="LiveId" clId="{C05AB0AD-C4F0-4AA2-BBCE-47973A9ECDC8}" dt="2025-07-15T10:38:57.034" v="65" actId="14100"/>
+        <pc:sldMkLst>
+          <pc:docMk/>
+          <pc:sldMk cId="4279067466" sldId="263"/>
+        </pc:sldMkLst>
+        <pc:picChg chg="mod">
+          <ac:chgData name="Shalini Kupparaju" userId="f2abd47b8b13236a" providerId="LiveId" clId="{C05AB0AD-C4F0-4AA2-BBCE-47973A9ECDC8}" dt="2025-07-15T10:38:57.034" v="65" actId="14100"/>
+          <ac:picMkLst>
+            <pc:docMk/>
+            <pc:sldMk cId="4279067466" sldId="263"/>
+            <ac:picMk id="3" creationId="{09983408-569B-57FA-3804-F25C1F12EBDD}"/>
+          </ac:picMkLst>
+        </pc:picChg>
+        <pc:picChg chg="del">
+          <ac:chgData name="Shalini Kupparaju" userId="f2abd47b8b13236a" providerId="LiveId" clId="{C05AB0AD-C4F0-4AA2-BBCE-47973A9ECDC8}" dt="2025-07-15T10:21:45.255" v="46" actId="21"/>
+          <ac:picMkLst>
+            <pc:docMk/>
+            <pc:sldMk cId="4279067466" sldId="263"/>
+            <ac:picMk id="5" creationId="{0F986FC1-F1FE-40F8-DD9E-DB9D5F34DB1B}"/>
+          </ac:picMkLst>
+        </pc:picChg>
+      </pc:sldChg>
+      <pc:sldChg chg="addSp modSp new mod setBg">
+        <pc:chgData name="Shalini Kupparaju" userId="f2abd47b8b13236a" providerId="LiveId" clId="{C05AB0AD-C4F0-4AA2-BBCE-47973A9ECDC8}" dt="2025-07-15T10:45:35.428" v="97" actId="14100"/>
+        <pc:sldMkLst>
+          <pc:docMk/>
+          <pc:sldMk cId="1351704887" sldId="264"/>
+        </pc:sldMkLst>
+        <pc:picChg chg="add mod">
+          <ac:chgData name="Shalini Kupparaju" userId="f2abd47b8b13236a" providerId="LiveId" clId="{C05AB0AD-C4F0-4AA2-BBCE-47973A9ECDC8}" dt="2025-07-15T10:45:35.428" v="97" actId="14100"/>
+          <ac:picMkLst>
+            <pc:docMk/>
+            <pc:sldMk cId="1351704887" sldId="264"/>
+            <ac:picMk id="5" creationId="{15AF13E8-73CE-9DE3-61A3-FB542111371C}"/>
+          </ac:picMkLst>
+        </pc:picChg>
+      </pc:sldChg>
+      <pc:sldChg chg="addSp modSp new mod">
+        <pc:chgData name="Shalini Kupparaju" userId="f2abd47b8b13236a" providerId="LiveId" clId="{C05AB0AD-C4F0-4AA2-BBCE-47973A9ECDC8}" dt="2025-07-15T10:44:05.802" v="87" actId="14100"/>
+        <pc:sldMkLst>
+          <pc:docMk/>
+          <pc:sldMk cId="838997764" sldId="265"/>
+        </pc:sldMkLst>
+        <pc:picChg chg="add mod">
+          <ac:chgData name="Shalini Kupparaju" userId="f2abd47b8b13236a" providerId="LiveId" clId="{C05AB0AD-C4F0-4AA2-BBCE-47973A9ECDC8}" dt="2025-07-15T10:44:05.802" v="87" actId="14100"/>
+          <ac:picMkLst>
+            <pc:docMk/>
+            <pc:sldMk cId="838997764" sldId="265"/>
+            <ac:picMk id="5" creationId="{59864DF7-E696-3A41-28E1-51E7F6C55BA1}"/>
+          </ac:picMkLst>
+        </pc:picChg>
+      </pc:sldChg>
+      <pc:sldChg chg="addSp modSp new mod">
+        <pc:chgData name="Shalini Kupparaju" userId="f2abd47b8b13236a" providerId="LiveId" clId="{C05AB0AD-C4F0-4AA2-BBCE-47973A9ECDC8}" dt="2025-07-15T10:43:30.867" v="85" actId="14100"/>
+        <pc:sldMkLst>
+          <pc:docMk/>
+          <pc:sldMk cId="2811171002" sldId="266"/>
+        </pc:sldMkLst>
+        <pc:picChg chg="add mod">
+          <ac:chgData name="Shalini Kupparaju" userId="f2abd47b8b13236a" providerId="LiveId" clId="{C05AB0AD-C4F0-4AA2-BBCE-47973A9ECDC8}" dt="2025-07-15T10:43:30.867" v="85" actId="14100"/>
+          <ac:picMkLst>
+            <pc:docMk/>
+            <pc:sldMk cId="2811171002" sldId="266"/>
+            <ac:picMk id="3" creationId="{6B66AA0E-304E-130D-23F4-037485507C4C}"/>
+          </ac:picMkLst>
+        </pc:picChg>
+      </pc:sldChg>
+      <pc:sldChg chg="addSp modSp new mod">
+        <pc:chgData name="Shalini Kupparaju" userId="f2abd47b8b13236a" providerId="LiveId" clId="{C05AB0AD-C4F0-4AA2-BBCE-47973A9ECDC8}" dt="2025-07-15T10:42:08.446" v="79" actId="14100"/>
+        <pc:sldMkLst>
+          <pc:docMk/>
+          <pc:sldMk cId="1754410744" sldId="267"/>
+        </pc:sldMkLst>
+        <pc:picChg chg="add mod">
+          <ac:chgData name="Shalini Kupparaju" userId="f2abd47b8b13236a" providerId="LiveId" clId="{C05AB0AD-C4F0-4AA2-BBCE-47973A9ECDC8}" dt="2025-07-15T10:42:08.446" v="79" actId="14100"/>
+          <ac:picMkLst>
+            <pc:docMk/>
+            <pc:sldMk cId="1754410744" sldId="267"/>
+            <ac:picMk id="5" creationId="{A4AC89FE-2D87-54F5-4A0B-CFE170B42AFD}"/>
+          </ac:picMkLst>
+        </pc:picChg>
+      </pc:sldChg>
+      <pc:sldChg chg="addSp modSp new mod">
+        <pc:chgData name="Shalini Kupparaju" userId="f2abd47b8b13236a" providerId="LiveId" clId="{C05AB0AD-C4F0-4AA2-BBCE-47973A9ECDC8}" dt="2025-07-15T10:39:25.316" v="68" actId="14100"/>
+        <pc:sldMkLst>
+          <pc:docMk/>
+          <pc:sldMk cId="448523357" sldId="268"/>
+        </pc:sldMkLst>
+        <pc:picChg chg="add mod">
+          <ac:chgData name="Shalini Kupparaju" userId="f2abd47b8b13236a" providerId="LiveId" clId="{C05AB0AD-C4F0-4AA2-BBCE-47973A9ECDC8}" dt="2025-07-15T10:39:25.316" v="68" actId="14100"/>
+          <ac:picMkLst>
+            <pc:docMk/>
+            <pc:sldMk cId="448523357" sldId="268"/>
+            <ac:picMk id="5" creationId="{60779A22-8137-20CD-B3F3-7B7EBAA6BE72}"/>
+          </ac:picMkLst>
+        </pc:picChg>
+      </pc:sldChg>
+      <pc:sldChg chg="addSp modSp new mod">
+        <pc:chgData name="Shalini Kupparaju" userId="f2abd47b8b13236a" providerId="LiveId" clId="{C05AB0AD-C4F0-4AA2-BBCE-47973A9ECDC8}" dt="2025-07-15T10:22:02.200" v="52" actId="14100"/>
+        <pc:sldMkLst>
+          <pc:docMk/>
+          <pc:sldMk cId="1538784617" sldId="269"/>
+        </pc:sldMkLst>
+        <pc:picChg chg="add mod">
+          <ac:chgData name="Shalini Kupparaju" userId="f2abd47b8b13236a" providerId="LiveId" clId="{C05AB0AD-C4F0-4AA2-BBCE-47973A9ECDC8}" dt="2025-07-15T10:22:02.200" v="52" actId="14100"/>
+          <ac:picMkLst>
+            <pc:docMk/>
+            <pc:sldMk cId="1538784617" sldId="269"/>
+            <ac:picMk id="5" creationId="{0F986FC1-F1FE-40F8-DD9E-DB9D5F34DB1B}"/>
+          </ac:picMkLst>
+        </pc:picChg>
+      </pc:sldChg>
+    </pc:docChg>
+  </pc:docChgLst>
+</pc:chgInfo>
 </file>
 
 <file path=ppt/slideLayouts/slideLayout1.xml><?xml version="1.0" encoding="utf-8"?>
@@ -247,7 +523,7 @@
           <a:p>
             <a:fld id="{428C2270-DF2E-4192-B93F-23F5ED4B3C2E}" type="datetimeFigureOut">
               <a:rPr lang="en-IN" smtClean="0"/>
-              <a:t>09-05-2025</a:t>
+              <a:t>15-07-2025</a:t>
             </a:fld>
             <a:endParaRPr lang="en-IN"/>
           </a:p>
@@ -534,7 +810,7 @@
           <a:p>
             <a:fld id="{428C2270-DF2E-4192-B93F-23F5ED4B3C2E}" type="datetimeFigureOut">
               <a:rPr lang="en-IN" smtClean="0"/>
-              <a:t>09-05-2025</a:t>
+              <a:t>15-07-2025</a:t>
             </a:fld>
             <a:endParaRPr lang="en-IN"/>
           </a:p>
@@ -726,7 +1002,7 @@
           <a:p>
             <a:fld id="{428C2270-DF2E-4192-B93F-23F5ED4B3C2E}" type="datetimeFigureOut">
               <a:rPr lang="en-IN" smtClean="0"/>
-              <a:t>09-05-2025</a:t>
+              <a:t>15-07-2025</a:t>
             </a:fld>
             <a:endParaRPr lang="en-IN"/>
           </a:p>
@@ -987,7 +1263,7 @@
           <a:p>
             <a:fld id="{428C2270-DF2E-4192-B93F-23F5ED4B3C2E}" type="datetimeFigureOut">
               <a:rPr lang="en-IN" smtClean="0"/>
-              <a:t>09-05-2025</a:t>
+              <a:t>15-07-2025</a:t>
             </a:fld>
             <a:endParaRPr lang="en-IN"/>
           </a:p>
@@ -1411,7 +1687,7 @@
           <a:p>
             <a:fld id="{428C2270-DF2E-4192-B93F-23F5ED4B3C2E}" type="datetimeFigureOut">
               <a:rPr lang="en-IN" smtClean="0"/>
-              <a:t>09-05-2025</a:t>
+              <a:t>15-07-2025</a:t>
             </a:fld>
             <a:endParaRPr lang="en-IN"/>
           </a:p>
@@ -1957,7 +2233,7 @@
           <a:p>
             <a:fld id="{428C2270-DF2E-4192-B93F-23F5ED4B3C2E}" type="datetimeFigureOut">
               <a:rPr lang="en-IN" smtClean="0"/>
-              <a:t>09-05-2025</a:t>
+              <a:t>15-07-2025</a:t>
             </a:fld>
             <a:endParaRPr lang="en-IN"/>
           </a:p>
@@ -2797,7 +3073,7 @@
           <a:p>
             <a:fld id="{428C2270-DF2E-4192-B93F-23F5ED4B3C2E}" type="datetimeFigureOut">
               <a:rPr lang="en-IN" smtClean="0"/>
-              <a:t>09-05-2025</a:t>
+              <a:t>15-07-2025</a:t>
             </a:fld>
             <a:endParaRPr lang="en-IN"/>
           </a:p>
@@ -2967,7 +3243,7 @@
           <a:p>
             <a:fld id="{428C2270-DF2E-4192-B93F-23F5ED4B3C2E}" type="datetimeFigureOut">
               <a:rPr lang="en-IN" smtClean="0"/>
-              <a:t>09-05-2025</a:t>
+              <a:t>15-07-2025</a:t>
             </a:fld>
             <a:endParaRPr lang="en-IN"/>
           </a:p>
@@ -3151,7 +3427,7 @@
           <a:p>
             <a:fld id="{428C2270-DF2E-4192-B93F-23F5ED4B3C2E}" type="datetimeFigureOut">
               <a:rPr lang="en-IN" smtClean="0"/>
-              <a:t>09-05-2025</a:t>
+              <a:t>15-07-2025</a:t>
             </a:fld>
             <a:endParaRPr lang="en-IN"/>
           </a:p>
@@ -3321,7 +3597,7 @@
           <a:p>
             <a:fld id="{428C2270-DF2E-4192-B93F-23F5ED4B3C2E}" type="datetimeFigureOut">
               <a:rPr lang="en-IN" smtClean="0"/>
-              <a:t>09-05-2025</a:t>
+              <a:t>15-07-2025</a:t>
             </a:fld>
             <a:endParaRPr lang="en-IN"/>
           </a:p>
@@ -3569,7 +3845,7 @@
           <a:p>
             <a:fld id="{428C2270-DF2E-4192-B93F-23F5ED4B3C2E}" type="datetimeFigureOut">
               <a:rPr lang="en-IN" smtClean="0"/>
-              <a:t>09-05-2025</a:t>
+              <a:t>15-07-2025</a:t>
             </a:fld>
             <a:endParaRPr lang="en-IN"/>
           </a:p>
@@ -3806,7 +4082,7 @@
           <a:p>
             <a:fld id="{428C2270-DF2E-4192-B93F-23F5ED4B3C2E}" type="datetimeFigureOut">
               <a:rPr lang="en-IN" smtClean="0"/>
-              <a:t>09-05-2025</a:t>
+              <a:t>15-07-2025</a:t>
             </a:fld>
             <a:endParaRPr lang="en-IN"/>
           </a:p>
@@ -4179,7 +4455,7 @@
           <a:p>
             <a:fld id="{428C2270-DF2E-4192-B93F-23F5ED4B3C2E}" type="datetimeFigureOut">
               <a:rPr lang="en-IN" smtClean="0"/>
-              <a:t>09-05-2025</a:t>
+              <a:t>15-07-2025</a:t>
             </a:fld>
             <a:endParaRPr lang="en-IN"/>
           </a:p>
@@ -4297,7 +4573,7 @@
           <a:p>
             <a:fld id="{428C2270-DF2E-4192-B93F-23F5ED4B3C2E}" type="datetimeFigureOut">
               <a:rPr lang="en-IN" smtClean="0"/>
-              <a:t>09-05-2025</a:t>
+              <a:t>15-07-2025</a:t>
             </a:fld>
             <a:endParaRPr lang="en-IN"/>
           </a:p>
@@ -4392,7 +4668,7 @@
           <a:p>
             <a:fld id="{428C2270-DF2E-4192-B93F-23F5ED4B3C2E}" type="datetimeFigureOut">
               <a:rPr lang="en-IN" smtClean="0"/>
-              <a:t>09-05-2025</a:t>
+              <a:t>15-07-2025</a:t>
             </a:fld>
             <a:endParaRPr lang="en-IN"/>
           </a:p>
@@ -4643,7 +4919,7 @@
           <a:p>
             <a:fld id="{428C2270-DF2E-4192-B93F-23F5ED4B3C2E}" type="datetimeFigureOut">
               <a:rPr lang="en-IN" smtClean="0"/>
-              <a:t>09-05-2025</a:t>
+              <a:t>15-07-2025</a:t>
             </a:fld>
             <a:endParaRPr lang="en-IN"/>
           </a:p>
@@ -4930,7 +5206,7 @@
           <a:p>
             <a:fld id="{428C2270-DF2E-4192-B93F-23F5ED4B3C2E}" type="datetimeFigureOut">
               <a:rPr lang="en-IN" smtClean="0"/>
-              <a:t>09-05-2025</a:t>
+              <a:t>15-07-2025</a:t>
             </a:fld>
             <a:endParaRPr lang="en-IN"/>
           </a:p>
@@ -5143,7 +5419,7 @@
           <a:p>
             <a:fld id="{428C2270-DF2E-4192-B93F-23F5ED4B3C2E}" type="datetimeFigureOut">
               <a:rPr lang="en-IN" smtClean="0"/>
-              <a:t>09-05-2025</a:t>
+              <a:t>15-07-2025</a:t>
             </a:fld>
             <a:endParaRPr lang="en-IN"/>
           </a:p>
@@ -5706,6 +5982,306 @@
 </p:sld>
 </file>
 
+<file path=ppt/slides/slide10.xml><?xml version="1.0" encoding="utf-8"?>
+<p:sld xmlns:a="http://schemas.openxmlformats.org/drawingml/2006/main" xmlns:r="http://schemas.openxmlformats.org/officeDocument/2006/relationships" xmlns:p="http://schemas.openxmlformats.org/presentationml/2006/main">
+  <p:cSld>
+    <p:spTree>
+      <p:nvGrpSpPr>
+        <p:cNvPr id="1" name=""/>
+        <p:cNvGrpSpPr/>
+        <p:nvPr/>
+      </p:nvGrpSpPr>
+      <p:grpSpPr>
+        <a:xfrm>
+          <a:off x="0" y="0"/>
+          <a:ext cx="0" cy="0"/>
+          <a:chOff x="0" y="0"/>
+          <a:chExt cx="0" cy="0"/>
+        </a:xfrm>
+      </p:grpSpPr>
+      <p:pic>
+        <p:nvPicPr>
+          <p:cNvPr id="5" name="Picture 4">
+            <a:extLst>
+              <a:ext uri="{FF2B5EF4-FFF2-40B4-BE49-F238E27FC236}">
+                <a16:creationId xmlns:a16="http://schemas.microsoft.com/office/drawing/2014/main" id="{A4AC89FE-2D87-54F5-4A0B-CFE170B42AFD}"/>
+              </a:ext>
+            </a:extLst>
+          </p:cNvPr>
+          <p:cNvPicPr>
+            <a:picLocks noChangeAspect="1"/>
+          </p:cNvPicPr>
+          <p:nvPr/>
+        </p:nvPicPr>
+        <p:blipFill>
+          <a:blip r:embed="rId2"/>
+          <a:stretch>
+            <a:fillRect/>
+          </a:stretch>
+        </p:blipFill>
+        <p:spPr>
+          <a:xfrm>
+            <a:off x="431800" y="296332"/>
+            <a:ext cx="11336400" cy="6057618"/>
+          </a:xfrm>
+          <a:prstGeom prst="rect">
+            <a:avLst/>
+          </a:prstGeom>
+        </p:spPr>
+      </p:pic>
+    </p:spTree>
+    <p:extLst>
+      <p:ext uri="{BB962C8B-B14F-4D97-AF65-F5344CB8AC3E}">
+        <p14:creationId xmlns:p14="http://schemas.microsoft.com/office/powerpoint/2010/main" val="1754410744"/>
+      </p:ext>
+    </p:extLst>
+  </p:cSld>
+  <p:clrMapOvr>
+    <a:masterClrMapping/>
+  </p:clrMapOvr>
+</p:sld>
+</file>
+
+<file path=ppt/slides/slide11.xml><?xml version="1.0" encoding="utf-8"?>
+<p:sld xmlns:a="http://schemas.openxmlformats.org/drawingml/2006/main" xmlns:r="http://schemas.openxmlformats.org/officeDocument/2006/relationships" xmlns:p="http://schemas.openxmlformats.org/presentationml/2006/main">
+  <p:cSld>
+    <p:spTree>
+      <p:nvGrpSpPr>
+        <p:cNvPr id="1" name=""/>
+        <p:cNvGrpSpPr/>
+        <p:nvPr/>
+      </p:nvGrpSpPr>
+      <p:grpSpPr>
+        <a:xfrm>
+          <a:off x="0" y="0"/>
+          <a:ext cx="0" cy="0"/>
+          <a:chOff x="0" y="0"/>
+          <a:chExt cx="0" cy="0"/>
+        </a:xfrm>
+      </p:grpSpPr>
+      <p:pic>
+        <p:nvPicPr>
+          <p:cNvPr id="3" name="Picture 2">
+            <a:extLst>
+              <a:ext uri="{FF2B5EF4-FFF2-40B4-BE49-F238E27FC236}">
+                <a16:creationId xmlns:a16="http://schemas.microsoft.com/office/drawing/2014/main" id="{4CB71204-43B4-A73A-D0F0-3A01B6B4BF95}"/>
+              </a:ext>
+            </a:extLst>
+          </p:cNvPr>
+          <p:cNvPicPr>
+            <a:picLocks noChangeAspect="1"/>
+          </p:cNvPicPr>
+          <p:nvPr/>
+        </p:nvPicPr>
+        <p:blipFill>
+          <a:blip r:embed="rId2"/>
+          <a:stretch>
+            <a:fillRect/>
+          </a:stretch>
+        </p:blipFill>
+        <p:spPr>
+          <a:xfrm>
+            <a:off x="499531" y="338217"/>
+            <a:ext cx="11336400" cy="5736944"/>
+          </a:xfrm>
+          <a:prstGeom prst="rect">
+            <a:avLst/>
+          </a:prstGeom>
+        </p:spPr>
+      </p:pic>
+    </p:spTree>
+    <p:extLst>
+      <p:ext uri="{BB962C8B-B14F-4D97-AF65-F5344CB8AC3E}">
+        <p14:creationId xmlns:p14="http://schemas.microsoft.com/office/powerpoint/2010/main" val="1714664864"/>
+      </p:ext>
+    </p:extLst>
+  </p:cSld>
+  <p:clrMapOvr>
+    <a:masterClrMapping/>
+  </p:clrMapOvr>
+</p:sld>
+</file>
+
+<file path=ppt/slides/slide12.xml><?xml version="1.0" encoding="utf-8"?>
+<p:sld xmlns:a="http://schemas.openxmlformats.org/drawingml/2006/main" xmlns:r="http://schemas.openxmlformats.org/officeDocument/2006/relationships" xmlns:p="http://schemas.openxmlformats.org/presentationml/2006/main">
+  <p:cSld>
+    <p:spTree>
+      <p:nvGrpSpPr>
+        <p:cNvPr id="1" name=""/>
+        <p:cNvGrpSpPr/>
+        <p:nvPr/>
+      </p:nvGrpSpPr>
+      <p:grpSpPr>
+        <a:xfrm>
+          <a:off x="0" y="0"/>
+          <a:ext cx="0" cy="0"/>
+          <a:chOff x="0" y="0"/>
+          <a:chExt cx="0" cy="0"/>
+        </a:xfrm>
+      </p:grpSpPr>
+      <p:pic>
+        <p:nvPicPr>
+          <p:cNvPr id="5" name="Picture 4">
+            <a:extLst>
+              <a:ext uri="{FF2B5EF4-FFF2-40B4-BE49-F238E27FC236}">
+                <a16:creationId xmlns:a16="http://schemas.microsoft.com/office/drawing/2014/main" id="{60779A22-8137-20CD-B3F3-7B7EBAA6BE72}"/>
+              </a:ext>
+            </a:extLst>
+          </p:cNvPr>
+          <p:cNvPicPr>
+            <a:picLocks noChangeAspect="1"/>
+          </p:cNvPicPr>
+          <p:nvPr/>
+        </p:nvPicPr>
+        <p:blipFill>
+          <a:blip r:embed="rId2"/>
+          <a:stretch>
+            <a:fillRect/>
+          </a:stretch>
+        </p:blipFill>
+        <p:spPr>
+          <a:xfrm>
+            <a:off x="524932" y="474132"/>
+            <a:ext cx="11267517" cy="5724000"/>
+          </a:xfrm>
+          <a:prstGeom prst="rect">
+            <a:avLst/>
+          </a:prstGeom>
+        </p:spPr>
+      </p:pic>
+    </p:spTree>
+    <p:extLst>
+      <p:ext uri="{BB962C8B-B14F-4D97-AF65-F5344CB8AC3E}">
+        <p14:creationId xmlns:p14="http://schemas.microsoft.com/office/powerpoint/2010/main" val="448523357"/>
+      </p:ext>
+    </p:extLst>
+  </p:cSld>
+  <p:clrMapOvr>
+    <a:masterClrMapping/>
+  </p:clrMapOvr>
+</p:sld>
+</file>
+
+<file path=ppt/slides/slide13.xml><?xml version="1.0" encoding="utf-8"?>
+<p:sld xmlns:a="http://schemas.openxmlformats.org/drawingml/2006/main" xmlns:r="http://schemas.openxmlformats.org/officeDocument/2006/relationships" xmlns:p="http://schemas.openxmlformats.org/presentationml/2006/main">
+  <p:cSld>
+    <p:spTree>
+      <p:nvGrpSpPr>
+        <p:cNvPr id="1" name=""/>
+        <p:cNvGrpSpPr/>
+        <p:nvPr/>
+      </p:nvGrpSpPr>
+      <p:grpSpPr>
+        <a:xfrm>
+          <a:off x="0" y="0"/>
+          <a:ext cx="0" cy="0"/>
+          <a:chOff x="0" y="0"/>
+          <a:chExt cx="0" cy="0"/>
+        </a:xfrm>
+      </p:grpSpPr>
+      <p:pic>
+        <p:nvPicPr>
+          <p:cNvPr id="3" name="Picture 2">
+            <a:extLst>
+              <a:ext uri="{FF2B5EF4-FFF2-40B4-BE49-F238E27FC236}">
+                <a16:creationId xmlns:a16="http://schemas.microsoft.com/office/drawing/2014/main" id="{09983408-569B-57FA-3804-F25C1F12EBDD}"/>
+              </a:ext>
+            </a:extLst>
+          </p:cNvPr>
+          <p:cNvPicPr>
+            <a:picLocks noChangeAspect="1"/>
+          </p:cNvPicPr>
+          <p:nvPr/>
+        </p:nvPicPr>
+        <p:blipFill>
+          <a:blip r:embed="rId2"/>
+          <a:stretch>
+            <a:fillRect/>
+          </a:stretch>
+        </p:blipFill>
+        <p:spPr>
+          <a:xfrm>
+            <a:off x="431798" y="431802"/>
+            <a:ext cx="11336400" cy="5715541"/>
+          </a:xfrm>
+          <a:prstGeom prst="rect">
+            <a:avLst/>
+          </a:prstGeom>
+        </p:spPr>
+      </p:pic>
+    </p:spTree>
+    <p:extLst>
+      <p:ext uri="{BB962C8B-B14F-4D97-AF65-F5344CB8AC3E}">
+        <p14:creationId xmlns:p14="http://schemas.microsoft.com/office/powerpoint/2010/main" val="4279067466"/>
+      </p:ext>
+    </p:extLst>
+  </p:cSld>
+  <p:clrMapOvr>
+    <a:masterClrMapping/>
+  </p:clrMapOvr>
+</p:sld>
+</file>
+
+<file path=ppt/slides/slide14.xml><?xml version="1.0" encoding="utf-8"?>
+<p:sld xmlns:a="http://schemas.openxmlformats.org/drawingml/2006/main" xmlns:r="http://schemas.openxmlformats.org/officeDocument/2006/relationships" xmlns:p="http://schemas.openxmlformats.org/presentationml/2006/main">
+  <p:cSld>
+    <p:spTree>
+      <p:nvGrpSpPr>
+        <p:cNvPr id="1" name=""/>
+        <p:cNvGrpSpPr/>
+        <p:nvPr/>
+      </p:nvGrpSpPr>
+      <p:grpSpPr>
+        <a:xfrm>
+          <a:off x="0" y="0"/>
+          <a:ext cx="0" cy="0"/>
+          <a:chOff x="0" y="0"/>
+          <a:chExt cx="0" cy="0"/>
+        </a:xfrm>
+      </p:grpSpPr>
+      <p:pic>
+        <p:nvPicPr>
+          <p:cNvPr id="5" name="Picture 4">
+            <a:extLst>
+              <a:ext uri="{FF2B5EF4-FFF2-40B4-BE49-F238E27FC236}">
+                <a16:creationId xmlns:a16="http://schemas.microsoft.com/office/drawing/2014/main" id="{0F986FC1-F1FE-40F8-DD9E-DB9D5F34DB1B}"/>
+              </a:ext>
+            </a:extLst>
+          </p:cNvPr>
+          <p:cNvPicPr>
+            <a:picLocks noChangeAspect="1"/>
+          </p:cNvPicPr>
+          <p:nvPr/>
+        </p:nvPicPr>
+        <p:blipFill>
+          <a:blip r:embed="rId2"/>
+          <a:stretch>
+            <a:fillRect/>
+          </a:stretch>
+        </p:blipFill>
+        <p:spPr>
+          <a:xfrm>
+            <a:off x="364068" y="457199"/>
+            <a:ext cx="11336866" cy="5723467"/>
+          </a:xfrm>
+          <a:prstGeom prst="rect">
+            <a:avLst/>
+          </a:prstGeom>
+        </p:spPr>
+      </p:pic>
+    </p:spTree>
+    <p:extLst>
+      <p:ext uri="{BB962C8B-B14F-4D97-AF65-F5344CB8AC3E}">
+        <p14:creationId xmlns:p14="http://schemas.microsoft.com/office/powerpoint/2010/main" val="1538784617"/>
+      </p:ext>
+    </p:extLst>
+  </p:cSld>
+  <p:clrMapOvr>
+    <a:masterClrMapping/>
+  </p:clrMapOvr>
+</p:sld>
+</file>
+
 <file path=ppt/slides/slide2.xml><?xml version="1.0" encoding="utf-8"?>
 <p:sld xmlns:a="http://schemas.openxmlformats.org/drawingml/2006/main" xmlns:r="http://schemas.openxmlformats.org/officeDocument/2006/relationships" xmlns:p="http://schemas.openxmlformats.org/presentationml/2006/main">
   <p:cSld>
@@ -5745,14 +6321,49 @@
         </p:blipFill>
         <p:spPr>
           <a:xfrm>
-            <a:off x="618067" y="328350"/>
-            <a:ext cx="9423400" cy="2626517"/>
+            <a:off x="533400" y="302950"/>
+            <a:ext cx="11336400" cy="6189571"/>
           </a:xfrm>
           <a:prstGeom prst="rect">
             <a:avLst/>
           </a:prstGeom>
         </p:spPr>
       </p:pic>
+    </p:spTree>
+    <p:extLst>
+      <p:ext uri="{BB962C8B-B14F-4D97-AF65-F5344CB8AC3E}">
+        <p14:creationId xmlns:p14="http://schemas.microsoft.com/office/powerpoint/2010/main" val="803282669"/>
+      </p:ext>
+    </p:extLst>
+  </p:cSld>
+  <p:clrMapOvr>
+    <a:masterClrMapping/>
+  </p:clrMapOvr>
+</p:sld>
+</file>
+
+<file path=ppt/slides/slide3.xml><?xml version="1.0" encoding="utf-8"?>
+<p:sld xmlns:a="http://schemas.openxmlformats.org/drawingml/2006/main" xmlns:r="http://schemas.openxmlformats.org/officeDocument/2006/relationships" xmlns:p="http://schemas.openxmlformats.org/presentationml/2006/main">
+  <p:cSld>
+    <p:bg>
+      <p:bgRef idx="1003">
+        <a:schemeClr val="bg2"/>
+      </p:bgRef>
+    </p:bg>
+    <p:spTree>
+      <p:nvGrpSpPr>
+        <p:cNvPr id="1" name=""/>
+        <p:cNvGrpSpPr/>
+        <p:nvPr/>
+      </p:nvGrpSpPr>
+      <p:grpSpPr>
+        <a:xfrm>
+          <a:off x="0" y="0"/>
+          <a:ext cx="0" cy="0"/>
+          <a:chOff x="0" y="0"/>
+          <a:chExt cx="0" cy="0"/>
+        </a:xfrm>
+      </p:grpSpPr>
       <p:pic>
         <p:nvPicPr>
           <p:cNvPr id="5" name="Picture 4">
@@ -5775,8 +6386,8 @@
         </p:blipFill>
         <p:spPr>
           <a:xfrm>
-            <a:off x="608453" y="3285067"/>
-            <a:ext cx="9466879" cy="3293533"/>
+            <a:off x="397934" y="220136"/>
+            <a:ext cx="11125200" cy="6172198"/>
           </a:xfrm>
           <a:prstGeom prst="rect">
             <a:avLst/>
@@ -5786,17 +6397,17 @@
     </p:spTree>
     <p:extLst>
       <p:ext uri="{BB962C8B-B14F-4D97-AF65-F5344CB8AC3E}">
-        <p14:creationId xmlns:p14="http://schemas.microsoft.com/office/powerpoint/2010/main" val="803282669"/>
+        <p14:creationId xmlns:p14="http://schemas.microsoft.com/office/powerpoint/2010/main" val="1351704887"/>
       </p:ext>
     </p:extLst>
   </p:cSld>
   <p:clrMapOvr>
-    <a:masterClrMapping/>
+    <a:overrideClrMapping bg1="dk1" tx1="lt1" bg2="dk2" tx2="lt2" accent1="accent1" accent2="accent2" accent3="accent3" accent4="accent4" accent5="accent5" accent6="accent6" hlink="hlink" folHlink="folHlink"/>
   </p:clrMapOvr>
 </p:sld>
 </file>
 
-<file path=ppt/slides/slide3.xml><?xml version="1.0" encoding="utf-8"?>
+<file path=ppt/slides/slide4.xml><?xml version="1.0" encoding="utf-8"?>
 <p:sld xmlns:a="http://schemas.openxmlformats.org/drawingml/2006/main" xmlns:r="http://schemas.openxmlformats.org/officeDocument/2006/relationships" xmlns:p="http://schemas.openxmlformats.org/presentationml/2006/main">
   <p:cSld>
     <p:spTree>
@@ -5835,38 +6446,8 @@
         </p:blipFill>
         <p:spPr>
           <a:xfrm>
-            <a:off x="203200" y="153580"/>
-            <a:ext cx="10092267" cy="2911353"/>
-          </a:xfrm>
-          <a:prstGeom prst="rect">
-            <a:avLst/>
-          </a:prstGeom>
-        </p:spPr>
-      </p:pic>
-      <p:pic>
-        <p:nvPicPr>
-          <p:cNvPr id="5" name="Picture 4">
-            <a:extLst>
-              <a:ext uri="{FF2B5EF4-FFF2-40B4-BE49-F238E27FC236}">
-                <a16:creationId xmlns:a16="http://schemas.microsoft.com/office/drawing/2014/main" id="{59864DF7-E696-3A41-28E1-51E7F6C55BA1}"/>
-              </a:ext>
-            </a:extLst>
-          </p:cNvPr>
-          <p:cNvPicPr>
-            <a:picLocks noChangeAspect="1"/>
-          </p:cNvPicPr>
-          <p:nvPr/>
-        </p:nvPicPr>
-        <p:blipFill>
-          <a:blip r:embed="rId3"/>
-          <a:stretch>
-            <a:fillRect/>
-          </a:stretch>
-        </p:blipFill>
-        <p:spPr>
-          <a:xfrm>
-            <a:off x="235840" y="3420532"/>
-            <a:ext cx="9993120" cy="2794001"/>
+            <a:off x="406400" y="348313"/>
+            <a:ext cx="11336400" cy="5675374"/>
           </a:xfrm>
           <a:prstGeom prst="rect">
             <a:avLst/>
@@ -5886,7 +6467,127 @@
 </p:sld>
 </file>
 
-<file path=ppt/slides/slide4.xml><?xml version="1.0" encoding="utf-8"?>
+<file path=ppt/slides/slide5.xml><?xml version="1.0" encoding="utf-8"?>
+<p:sld xmlns:a="http://schemas.openxmlformats.org/drawingml/2006/main" xmlns:r="http://schemas.openxmlformats.org/officeDocument/2006/relationships" xmlns:p="http://schemas.openxmlformats.org/presentationml/2006/main">
+  <p:cSld>
+    <p:spTree>
+      <p:nvGrpSpPr>
+        <p:cNvPr id="1" name=""/>
+        <p:cNvGrpSpPr/>
+        <p:nvPr/>
+      </p:nvGrpSpPr>
+      <p:grpSpPr>
+        <a:xfrm>
+          <a:off x="0" y="0"/>
+          <a:ext cx="0" cy="0"/>
+          <a:chOff x="0" y="0"/>
+          <a:chExt cx="0" cy="0"/>
+        </a:xfrm>
+      </p:grpSpPr>
+      <p:pic>
+        <p:nvPicPr>
+          <p:cNvPr id="5" name="Picture 4">
+            <a:extLst>
+              <a:ext uri="{FF2B5EF4-FFF2-40B4-BE49-F238E27FC236}">
+                <a16:creationId xmlns:a16="http://schemas.microsoft.com/office/drawing/2014/main" id="{59864DF7-E696-3A41-28E1-51E7F6C55BA1}"/>
+              </a:ext>
+            </a:extLst>
+          </p:cNvPr>
+          <p:cNvPicPr>
+            <a:picLocks noChangeAspect="1"/>
+          </p:cNvPicPr>
+          <p:nvPr/>
+        </p:nvPicPr>
+        <p:blipFill>
+          <a:blip r:embed="rId2"/>
+          <a:stretch>
+            <a:fillRect/>
+          </a:stretch>
+        </p:blipFill>
+        <p:spPr>
+          <a:xfrm>
+            <a:off x="719667" y="364067"/>
+            <a:ext cx="11336400" cy="6308529"/>
+          </a:xfrm>
+          <a:prstGeom prst="rect">
+            <a:avLst/>
+          </a:prstGeom>
+        </p:spPr>
+      </p:pic>
+    </p:spTree>
+    <p:extLst>
+      <p:ext uri="{BB962C8B-B14F-4D97-AF65-F5344CB8AC3E}">
+        <p14:creationId xmlns:p14="http://schemas.microsoft.com/office/powerpoint/2010/main" val="838997764"/>
+      </p:ext>
+    </p:extLst>
+  </p:cSld>
+  <p:clrMapOvr>
+    <a:masterClrMapping/>
+  </p:clrMapOvr>
+</p:sld>
+</file>
+
+<file path=ppt/slides/slide6.xml><?xml version="1.0" encoding="utf-8"?>
+<p:sld xmlns:a="http://schemas.openxmlformats.org/drawingml/2006/main" xmlns:r="http://schemas.openxmlformats.org/officeDocument/2006/relationships" xmlns:p="http://schemas.openxmlformats.org/presentationml/2006/main">
+  <p:cSld>
+    <p:spTree>
+      <p:nvGrpSpPr>
+        <p:cNvPr id="1" name=""/>
+        <p:cNvGrpSpPr/>
+        <p:nvPr/>
+      </p:nvGrpSpPr>
+      <p:grpSpPr>
+        <a:xfrm>
+          <a:off x="0" y="0"/>
+          <a:ext cx="0" cy="0"/>
+          <a:chOff x="0" y="0"/>
+          <a:chExt cx="0" cy="0"/>
+        </a:xfrm>
+      </p:grpSpPr>
+      <p:pic>
+        <p:nvPicPr>
+          <p:cNvPr id="4" name="Picture 3">
+            <a:extLst>
+              <a:ext uri="{FF2B5EF4-FFF2-40B4-BE49-F238E27FC236}">
+                <a16:creationId xmlns:a16="http://schemas.microsoft.com/office/drawing/2014/main" id="{27F687F6-36D0-8CDF-CCE4-5AF74B0324A2}"/>
+              </a:ext>
+            </a:extLst>
+          </p:cNvPr>
+          <p:cNvPicPr>
+            <a:picLocks noChangeAspect="1"/>
+          </p:cNvPicPr>
+          <p:nvPr/>
+        </p:nvPicPr>
+        <p:blipFill>
+          <a:blip r:embed="rId2"/>
+          <a:stretch>
+            <a:fillRect/>
+          </a:stretch>
+        </p:blipFill>
+        <p:spPr>
+          <a:xfrm>
+            <a:off x="444137" y="487880"/>
+            <a:ext cx="11299130" cy="5726653"/>
+          </a:xfrm>
+          <a:prstGeom prst="rect">
+            <a:avLst/>
+          </a:prstGeom>
+        </p:spPr>
+      </p:pic>
+    </p:spTree>
+    <p:extLst>
+      <p:ext uri="{BB962C8B-B14F-4D97-AF65-F5344CB8AC3E}">
+        <p14:creationId xmlns:p14="http://schemas.microsoft.com/office/powerpoint/2010/main" val="642233588"/>
+      </p:ext>
+    </p:extLst>
+  </p:cSld>
+  <p:clrMapOvr>
+    <a:masterClrMapping/>
+  </p:clrMapOvr>
+</p:sld>
+</file>
+
+<file path=ppt/slides/slide7.xml><?xml version="1.0" encoding="utf-8"?>
 <p:sld xmlns:a="http://schemas.openxmlformats.org/drawingml/2006/main" xmlns:r="http://schemas.openxmlformats.org/officeDocument/2006/relationships" xmlns:p="http://schemas.openxmlformats.org/presentationml/2006/main">
   <p:cSld>
     <p:spTree>
@@ -5925,38 +6626,8 @@
         </p:blipFill>
         <p:spPr>
           <a:xfrm>
-            <a:off x="453572" y="3332240"/>
-            <a:ext cx="10540999" cy="2979620"/>
-          </a:xfrm>
-          <a:prstGeom prst="rect">
-            <a:avLst/>
-          </a:prstGeom>
-        </p:spPr>
-      </p:pic>
-      <p:pic>
-        <p:nvPicPr>
-          <p:cNvPr id="4" name="Picture 3">
-            <a:extLst>
-              <a:ext uri="{FF2B5EF4-FFF2-40B4-BE49-F238E27FC236}">
-                <a16:creationId xmlns:a16="http://schemas.microsoft.com/office/drawing/2014/main" id="{27F687F6-36D0-8CDF-CCE4-5AF74B0324A2}"/>
-              </a:ext>
-            </a:extLst>
-          </p:cNvPr>
-          <p:cNvPicPr>
-            <a:picLocks noChangeAspect="1"/>
-          </p:cNvPicPr>
-          <p:nvPr/>
-        </p:nvPicPr>
-        <p:blipFill>
-          <a:blip r:embed="rId3"/>
-          <a:stretch>
-            <a:fillRect/>
-          </a:stretch>
-        </p:blipFill>
-        <p:spPr>
-          <a:xfrm>
-            <a:off x="444137" y="487880"/>
-            <a:ext cx="10587929" cy="2385949"/>
+            <a:off x="453571" y="575733"/>
+            <a:ext cx="11336400" cy="5988917"/>
           </a:xfrm>
           <a:prstGeom prst="rect">
             <a:avLst/>
@@ -5966,7 +6637,7 @@
     </p:spTree>
     <p:extLst>
       <p:ext uri="{BB962C8B-B14F-4D97-AF65-F5344CB8AC3E}">
-        <p14:creationId xmlns:p14="http://schemas.microsoft.com/office/powerpoint/2010/main" val="642233588"/>
+        <p14:creationId xmlns:p14="http://schemas.microsoft.com/office/powerpoint/2010/main" val="2811171002"/>
       </p:ext>
     </p:extLst>
   </p:cSld>
@@ -5976,7 +6647,7 @@
 </p:sld>
 </file>
 
-<file path=ppt/slides/slide5.xml><?xml version="1.0" encoding="utf-8"?>
+<file path=ppt/slides/slide8.xml><?xml version="1.0" encoding="utf-8"?>
 <p:sld xmlns:a="http://schemas.openxmlformats.org/drawingml/2006/main" xmlns:r="http://schemas.openxmlformats.org/officeDocument/2006/relationships" xmlns:p="http://schemas.openxmlformats.org/presentationml/2006/main">
   <p:cSld>
     <p:spTree>
@@ -6015,8 +6686,8 @@
         </p:blipFill>
         <p:spPr>
           <a:xfrm>
-            <a:off x="304799" y="284956"/>
-            <a:ext cx="11142134" cy="5661189"/>
+            <a:off x="609599" y="378090"/>
+            <a:ext cx="11336400" cy="5759893"/>
           </a:xfrm>
           <a:prstGeom prst="rect">
             <a:avLst/>
@@ -6036,9 +6707,14 @@
 </p:sld>
 </file>
 
-<file path=ppt/slides/slide6.xml><?xml version="1.0" encoding="utf-8"?>
+<file path=ppt/slides/slide9.xml><?xml version="1.0" encoding="utf-8"?>
 <p:sld xmlns:a="http://schemas.openxmlformats.org/drawingml/2006/main" xmlns:r="http://schemas.openxmlformats.org/officeDocument/2006/relationships" xmlns:p="http://schemas.openxmlformats.org/presentationml/2006/main">
   <p:cSld>
+    <p:bg>
+      <p:bgRef idx="1003">
+        <a:schemeClr val="bg2"/>
+      </p:bgRef>
+    </p:bg>
     <p:spTree>
       <p:nvGrpSpPr>
         <p:cNvPr id="1" name=""/>
@@ -6068,36 +6744,6 @@
           <p:nvPr/>
         </p:nvPicPr>
         <p:blipFill>
-          <a:blip r:embed="rId2"/>
-          <a:stretch>
-            <a:fillRect/>
-          </a:stretch>
-        </p:blipFill>
-        <p:spPr>
-          <a:xfrm>
-            <a:off x="228600" y="223578"/>
-            <a:ext cx="11116733" cy="3366289"/>
-          </a:xfrm>
-          <a:prstGeom prst="rect">
-            <a:avLst/>
-          </a:prstGeom>
-        </p:spPr>
-      </p:pic>
-      <p:pic>
-        <p:nvPicPr>
-          <p:cNvPr id="5" name="Picture 4">
-            <a:extLst>
-              <a:ext uri="{FF2B5EF4-FFF2-40B4-BE49-F238E27FC236}">
-                <a16:creationId xmlns:a16="http://schemas.microsoft.com/office/drawing/2014/main" id="{A4AC89FE-2D87-54F5-4A0B-CFE170B42AFD}"/>
-              </a:ext>
-            </a:extLst>
-          </p:cNvPr>
-          <p:cNvPicPr>
-            <a:picLocks noChangeAspect="1"/>
-          </p:cNvPicPr>
-          <p:nvPr/>
-        </p:nvPicPr>
-        <p:blipFill>
           <a:blip r:embed="rId3"/>
           <a:stretch>
             <a:fillRect/>
@@ -6105,8 +6751,8 @@
         </p:blipFill>
         <p:spPr>
           <a:xfrm>
-            <a:off x="262466" y="3750733"/>
-            <a:ext cx="11091334" cy="2777067"/>
+            <a:off x="279399" y="240512"/>
+            <a:ext cx="11336400" cy="6029978"/>
           </a:xfrm>
           <a:prstGeom prst="rect">
             <a:avLst/>
@@ -6121,187 +6767,7 @@
     </p:extLst>
   </p:cSld>
   <p:clrMapOvr>
-    <a:masterClrMapping/>
-  </p:clrMapOvr>
-</p:sld>
-</file>
-
-<file path=ppt/slides/slide7.xml><?xml version="1.0" encoding="utf-8"?>
-<p:sld xmlns:a="http://schemas.openxmlformats.org/drawingml/2006/main" xmlns:r="http://schemas.openxmlformats.org/officeDocument/2006/relationships" xmlns:p="http://schemas.openxmlformats.org/presentationml/2006/main">
-  <p:cSld>
-    <p:spTree>
-      <p:nvGrpSpPr>
-        <p:cNvPr id="1" name=""/>
-        <p:cNvGrpSpPr/>
-        <p:nvPr/>
-      </p:nvGrpSpPr>
-      <p:grpSpPr>
-        <a:xfrm>
-          <a:off x="0" y="0"/>
-          <a:ext cx="0" cy="0"/>
-          <a:chOff x="0" y="0"/>
-          <a:chExt cx="0" cy="0"/>
-        </a:xfrm>
-      </p:grpSpPr>
-      <p:pic>
-        <p:nvPicPr>
-          <p:cNvPr id="3" name="Picture 2">
-            <a:extLst>
-              <a:ext uri="{FF2B5EF4-FFF2-40B4-BE49-F238E27FC236}">
-                <a16:creationId xmlns:a16="http://schemas.microsoft.com/office/drawing/2014/main" id="{4CB71204-43B4-A73A-D0F0-3A01B6B4BF95}"/>
-              </a:ext>
-            </a:extLst>
-          </p:cNvPr>
-          <p:cNvPicPr>
-            <a:picLocks noChangeAspect="1"/>
-          </p:cNvPicPr>
-          <p:nvPr/>
-        </p:nvPicPr>
-        <p:blipFill>
-          <a:blip r:embed="rId2"/>
-          <a:stretch>
-            <a:fillRect/>
-          </a:stretch>
-        </p:blipFill>
-        <p:spPr>
-          <a:xfrm>
-            <a:off x="169332" y="185818"/>
-            <a:ext cx="11091333" cy="3293981"/>
-          </a:xfrm>
-          <a:prstGeom prst="rect">
-            <a:avLst/>
-          </a:prstGeom>
-        </p:spPr>
-      </p:pic>
-      <p:pic>
-        <p:nvPicPr>
-          <p:cNvPr id="5" name="Picture 4">
-            <a:extLst>
-              <a:ext uri="{FF2B5EF4-FFF2-40B4-BE49-F238E27FC236}">
-                <a16:creationId xmlns:a16="http://schemas.microsoft.com/office/drawing/2014/main" id="{60779A22-8137-20CD-B3F3-7B7EBAA6BE72}"/>
-              </a:ext>
-            </a:extLst>
-          </p:cNvPr>
-          <p:cNvPicPr>
-            <a:picLocks noChangeAspect="1"/>
-          </p:cNvPicPr>
-          <p:nvPr/>
-        </p:nvPicPr>
-        <p:blipFill>
-          <a:blip r:embed="rId3"/>
-          <a:stretch>
-            <a:fillRect/>
-          </a:stretch>
-        </p:blipFill>
-        <p:spPr>
-          <a:xfrm>
-            <a:off x="169332" y="3651399"/>
-            <a:ext cx="11099801" cy="2834067"/>
-          </a:xfrm>
-          <a:prstGeom prst="rect">
-            <a:avLst/>
-          </a:prstGeom>
-        </p:spPr>
-      </p:pic>
-    </p:spTree>
-    <p:extLst>
-      <p:ext uri="{BB962C8B-B14F-4D97-AF65-F5344CB8AC3E}">
-        <p14:creationId xmlns:p14="http://schemas.microsoft.com/office/powerpoint/2010/main" val="1714664864"/>
-      </p:ext>
-    </p:extLst>
-  </p:cSld>
-  <p:clrMapOvr>
-    <a:masterClrMapping/>
-  </p:clrMapOvr>
-</p:sld>
-</file>
-
-<file path=ppt/slides/slide8.xml><?xml version="1.0" encoding="utf-8"?>
-<p:sld xmlns:a="http://schemas.openxmlformats.org/drawingml/2006/main" xmlns:r="http://schemas.openxmlformats.org/officeDocument/2006/relationships" xmlns:p="http://schemas.openxmlformats.org/presentationml/2006/main">
-  <p:cSld>
-    <p:spTree>
-      <p:nvGrpSpPr>
-        <p:cNvPr id="1" name=""/>
-        <p:cNvGrpSpPr/>
-        <p:nvPr/>
-      </p:nvGrpSpPr>
-      <p:grpSpPr>
-        <a:xfrm>
-          <a:off x="0" y="0"/>
-          <a:ext cx="0" cy="0"/>
-          <a:chOff x="0" y="0"/>
-          <a:chExt cx="0" cy="0"/>
-        </a:xfrm>
-      </p:grpSpPr>
-      <p:pic>
-        <p:nvPicPr>
-          <p:cNvPr id="3" name="Picture 2">
-            <a:extLst>
-              <a:ext uri="{FF2B5EF4-FFF2-40B4-BE49-F238E27FC236}">
-                <a16:creationId xmlns:a16="http://schemas.microsoft.com/office/drawing/2014/main" id="{09983408-569B-57FA-3804-F25C1F12EBDD}"/>
-              </a:ext>
-            </a:extLst>
-          </p:cNvPr>
-          <p:cNvPicPr>
-            <a:picLocks noChangeAspect="1"/>
-          </p:cNvPicPr>
-          <p:nvPr/>
-        </p:nvPicPr>
-        <p:blipFill>
-          <a:blip r:embed="rId2"/>
-          <a:stretch>
-            <a:fillRect/>
-          </a:stretch>
-        </p:blipFill>
-        <p:spPr>
-          <a:xfrm>
-            <a:off x="347131" y="157817"/>
-            <a:ext cx="11150601" cy="3271184"/>
-          </a:xfrm>
-          <a:prstGeom prst="rect">
-            <a:avLst/>
-          </a:prstGeom>
-        </p:spPr>
-      </p:pic>
-      <p:pic>
-        <p:nvPicPr>
-          <p:cNvPr id="5" name="Picture 4">
-            <a:extLst>
-              <a:ext uri="{FF2B5EF4-FFF2-40B4-BE49-F238E27FC236}">
-                <a16:creationId xmlns:a16="http://schemas.microsoft.com/office/drawing/2014/main" id="{0F986FC1-F1FE-40F8-DD9E-DB9D5F34DB1B}"/>
-              </a:ext>
-            </a:extLst>
-          </p:cNvPr>
-          <p:cNvPicPr>
-            <a:picLocks noChangeAspect="1"/>
-          </p:cNvPicPr>
-          <p:nvPr/>
-        </p:nvPicPr>
-        <p:blipFill>
-          <a:blip r:embed="rId3"/>
-          <a:stretch>
-            <a:fillRect/>
-          </a:stretch>
-        </p:blipFill>
-        <p:spPr>
-          <a:xfrm>
-            <a:off x="380999" y="3572933"/>
-            <a:ext cx="11082867" cy="2980267"/>
-          </a:xfrm>
-          <a:prstGeom prst="rect">
-            <a:avLst/>
-          </a:prstGeom>
-        </p:spPr>
-      </p:pic>
-    </p:spTree>
-    <p:extLst>
-      <p:ext uri="{BB962C8B-B14F-4D97-AF65-F5344CB8AC3E}">
-        <p14:creationId xmlns:p14="http://schemas.microsoft.com/office/powerpoint/2010/main" val="4279067466"/>
-      </p:ext>
-    </p:extLst>
-  </p:cSld>
-  <p:clrMapOvr>
-    <a:masterClrMapping/>
+    <a:overrideClrMapping bg1="dk1" tx1="lt1" bg2="dk2" tx2="lt2" accent1="accent1" accent2="accent2" accent3="accent3" accent4="accent4" accent5="accent5" accent6="accent6" hlink="hlink" folHlink="folHlink"/>
   </p:clrMapOvr>
 </p:sld>
 </file>
@@ -6560,4 +7026,90 @@
     </a:ext>
   </a:extLst>
 </a:theme>
+</file>
+
+<file path=ppt/theme/themeOverride1.xml><?xml version="1.0" encoding="utf-8"?>
+<a:themeOverride xmlns:a="http://schemas.openxmlformats.org/drawingml/2006/main">
+  <a:clrScheme name="Damask">
+    <a:dk1>
+      <a:sysClr val="windowText" lastClr="000000"/>
+    </a:dk1>
+    <a:lt1>
+      <a:sysClr val="window" lastClr="FFFFFF"/>
+    </a:lt1>
+    <a:dk2>
+      <a:srgbClr val="2A5B7F"/>
+    </a:dk2>
+    <a:lt2>
+      <a:srgbClr val="ABDAFC"/>
+    </a:lt2>
+    <a:accent1>
+      <a:srgbClr val="9EC544"/>
+    </a:accent1>
+    <a:accent2>
+      <a:srgbClr val="50BEA3"/>
+    </a:accent2>
+    <a:accent3>
+      <a:srgbClr val="4A9CCC"/>
+    </a:accent3>
+    <a:accent4>
+      <a:srgbClr val="9A66CA"/>
+    </a:accent4>
+    <a:accent5>
+      <a:srgbClr val="C54F71"/>
+    </a:accent5>
+    <a:accent6>
+      <a:srgbClr val="DE9C3C"/>
+    </a:accent6>
+    <a:hlink>
+      <a:srgbClr val="6BA9DA"/>
+    </a:hlink>
+    <a:folHlink>
+      <a:srgbClr val="A0BCD3"/>
+    </a:folHlink>
+  </a:clrScheme>
+</a:themeOverride>
+</file>
+
+<file path=ppt/theme/themeOverride2.xml><?xml version="1.0" encoding="utf-8"?>
+<a:themeOverride xmlns:a="http://schemas.openxmlformats.org/drawingml/2006/main">
+  <a:clrScheme name="Damask">
+    <a:dk1>
+      <a:sysClr val="windowText" lastClr="000000"/>
+    </a:dk1>
+    <a:lt1>
+      <a:sysClr val="window" lastClr="FFFFFF"/>
+    </a:lt1>
+    <a:dk2>
+      <a:srgbClr val="2A5B7F"/>
+    </a:dk2>
+    <a:lt2>
+      <a:srgbClr val="ABDAFC"/>
+    </a:lt2>
+    <a:accent1>
+      <a:srgbClr val="9EC544"/>
+    </a:accent1>
+    <a:accent2>
+      <a:srgbClr val="50BEA3"/>
+    </a:accent2>
+    <a:accent3>
+      <a:srgbClr val="4A9CCC"/>
+    </a:accent3>
+    <a:accent4>
+      <a:srgbClr val="9A66CA"/>
+    </a:accent4>
+    <a:accent5>
+      <a:srgbClr val="C54F71"/>
+    </a:accent5>
+    <a:accent6>
+      <a:srgbClr val="DE9C3C"/>
+    </a:accent6>
+    <a:hlink>
+      <a:srgbClr val="6BA9DA"/>
+    </a:hlink>
+    <a:folHlink>
+      <a:srgbClr val="A0BCD3"/>
+    </a:folHlink>
+  </a:clrScheme>
+</a:themeOverride>
 </file>